--- a/DD3.pptx
+++ b/DD3.pptx
@@ -257,7 +257,7 @@
           <a:p>
             <a:fld id="{BB1E8655-1B91-43F1-B281-004606A77C56}" type="datetimeFigureOut">
               <a:rPr lang="fr-FR" smtClean="0"/>
-              <a:t>17/06/2015</a:t>
+              <a:t>18/06/2015</a:t>
             </a:fld>
             <a:endParaRPr lang="fr-FR"/>
           </a:p>
@@ -427,7 +427,7 @@
           <a:p>
             <a:fld id="{BB1E8655-1B91-43F1-B281-004606A77C56}" type="datetimeFigureOut">
               <a:rPr lang="fr-FR" smtClean="0"/>
-              <a:t>17/06/2015</a:t>
+              <a:t>18/06/2015</a:t>
             </a:fld>
             <a:endParaRPr lang="fr-FR"/>
           </a:p>
@@ -607,7 +607,7 @@
           <a:p>
             <a:fld id="{BB1E8655-1B91-43F1-B281-004606A77C56}" type="datetimeFigureOut">
               <a:rPr lang="fr-FR" smtClean="0"/>
-              <a:t>17/06/2015</a:t>
+              <a:t>18/06/2015</a:t>
             </a:fld>
             <a:endParaRPr lang="fr-FR"/>
           </a:p>
@@ -777,7 +777,7 @@
           <a:p>
             <a:fld id="{BB1E8655-1B91-43F1-B281-004606A77C56}" type="datetimeFigureOut">
               <a:rPr lang="fr-FR" smtClean="0"/>
-              <a:t>17/06/2015</a:t>
+              <a:t>18/06/2015</a:t>
             </a:fld>
             <a:endParaRPr lang="fr-FR"/>
           </a:p>
@@ -1023,7 +1023,7 @@
           <a:p>
             <a:fld id="{BB1E8655-1B91-43F1-B281-004606A77C56}" type="datetimeFigureOut">
               <a:rPr lang="fr-FR" smtClean="0"/>
-              <a:t>17/06/2015</a:t>
+              <a:t>18/06/2015</a:t>
             </a:fld>
             <a:endParaRPr lang="fr-FR"/>
           </a:p>
@@ -1255,7 +1255,7 @@
           <a:p>
             <a:fld id="{BB1E8655-1B91-43F1-B281-004606A77C56}" type="datetimeFigureOut">
               <a:rPr lang="fr-FR" smtClean="0"/>
-              <a:t>17/06/2015</a:t>
+              <a:t>18/06/2015</a:t>
             </a:fld>
             <a:endParaRPr lang="fr-FR"/>
           </a:p>
@@ -1622,7 +1622,7 @@
           <a:p>
             <a:fld id="{BB1E8655-1B91-43F1-B281-004606A77C56}" type="datetimeFigureOut">
               <a:rPr lang="fr-FR" smtClean="0"/>
-              <a:t>17/06/2015</a:t>
+              <a:t>18/06/2015</a:t>
             </a:fld>
             <a:endParaRPr lang="fr-FR"/>
           </a:p>
@@ -1740,7 +1740,7 @@
           <a:p>
             <a:fld id="{BB1E8655-1B91-43F1-B281-004606A77C56}" type="datetimeFigureOut">
               <a:rPr lang="fr-FR" smtClean="0"/>
-              <a:t>17/06/2015</a:t>
+              <a:t>18/06/2015</a:t>
             </a:fld>
             <a:endParaRPr lang="fr-FR"/>
           </a:p>
@@ -1835,7 +1835,7 @@
           <a:p>
             <a:fld id="{BB1E8655-1B91-43F1-B281-004606A77C56}" type="datetimeFigureOut">
               <a:rPr lang="fr-FR" smtClean="0"/>
-              <a:t>17/06/2015</a:t>
+              <a:t>18/06/2015</a:t>
             </a:fld>
             <a:endParaRPr lang="fr-FR"/>
           </a:p>
@@ -2112,7 +2112,7 @@
           <a:p>
             <a:fld id="{BB1E8655-1B91-43F1-B281-004606A77C56}" type="datetimeFigureOut">
               <a:rPr lang="fr-FR" smtClean="0"/>
-              <a:t>17/06/2015</a:t>
+              <a:t>18/06/2015</a:t>
             </a:fld>
             <a:endParaRPr lang="fr-FR"/>
           </a:p>
@@ -2365,7 +2365,7 @@
           <a:p>
             <a:fld id="{BB1E8655-1B91-43F1-B281-004606A77C56}" type="datetimeFigureOut">
               <a:rPr lang="fr-FR" smtClean="0"/>
-              <a:t>17/06/2015</a:t>
+              <a:t>18/06/2015</a:t>
             </a:fld>
             <a:endParaRPr lang="fr-FR"/>
           </a:p>
@@ -2578,7 +2578,7 @@
           <a:p>
             <a:fld id="{BB1E8655-1B91-43F1-B281-004606A77C56}" type="datetimeFigureOut">
               <a:rPr lang="fr-FR" smtClean="0"/>
-              <a:t>17/06/2015</a:t>
+              <a:t>18/06/2015</a:t>
             </a:fld>
             <a:endParaRPr lang="fr-FR"/>
           </a:p>
@@ -3501,7 +3501,6 @@
               <a:rPr lang="en-US" dirty="0" smtClean="0"/>
               <a:t>This is an object to save data relative to the cave, especially width, height and margins.</a:t>
             </a:r>
-            <a:endParaRPr lang="en-US" dirty="0" smtClean="0"/>
           </a:p>
         </p:txBody>
       </p:sp>
@@ -3621,7 +3620,6 @@
               <a:rPr lang="en-GB" dirty="0" smtClean="0"/>
               <a:t>(This might be not clear enough, if so, contact me)</a:t>
             </a:r>
-            <a:endParaRPr lang="en-GB" dirty="0" smtClean="0"/>
           </a:p>
         </p:txBody>
       </p:sp>
@@ -3894,7 +3892,7 @@
             </a:r>
             <a:r>
               <a:rPr lang="fr-FR" dirty="0" err="1" smtClean="0"/>
-              <a:t>we</a:t>
+              <a:t>will</a:t>
             </a:r>
             <a:r>
               <a:rPr lang="fr-FR" dirty="0" smtClean="0"/>
@@ -7011,7 +7009,11 @@
             </a:r>
             <a:r>
               <a:rPr lang="fr-FR" dirty="0" smtClean="0"/>
-              <a:t> in a </a:t>
+              <a:t> in </a:t>
+            </a:r>
+            <a:r>
+              <a:rPr lang="fr-FR" dirty="0" smtClean="0"/>
+              <a:t>an </a:t>
             </a:r>
             <a:r>
               <a:rPr lang="fr-FR" dirty="0" err="1" smtClean="0"/>
@@ -7286,20 +7288,8 @@
           <a:lstStyle/>
           <a:p>
             <a:r>
-              <a:rPr lang="fr-FR" dirty="0" err="1" smtClean="0"/>
-              <a:t>Find</a:t>
-            </a:r>
-            <a:r>
-              <a:rPr lang="fr-FR" dirty="0" smtClean="0"/>
-              <a:t> </a:t>
-            </a:r>
-            <a:r>
-              <a:rPr lang="fr-FR" dirty="0" err="1" smtClean="0"/>
-              <a:t>recipients</a:t>
-            </a:r>
-            <a:r>
-              <a:rPr lang="fr-FR" dirty="0" smtClean="0"/>
-              <a:t>:</a:t>
+              <a:rPr lang="en-US" dirty="0" smtClean="0"/>
+              <a:t>Find recipients:</a:t>
             </a:r>
           </a:p>
           <a:p>
@@ -7307,221 +7297,34 @@
               <a:buNone/>
             </a:pPr>
             <a:r>
-              <a:rPr lang="fr-FR" dirty="0" err="1" smtClean="0"/>
-              <a:t>Find</a:t>
-            </a:r>
-            <a:r>
-              <a:rPr lang="fr-FR" dirty="0" smtClean="0"/>
-              <a:t> all </a:t>
-            </a:r>
-            <a:r>
-              <a:rPr lang="fr-FR" dirty="0" err="1" smtClean="0"/>
-              <a:t>recipients</a:t>
-            </a:r>
-            <a:r>
-              <a:rPr lang="fr-FR" dirty="0" smtClean="0"/>
-              <a:t> – (</a:t>
-            </a:r>
-            <a:r>
-              <a:rPr lang="fr-FR" dirty="0" err="1" smtClean="0"/>
+              <a:rPr lang="en-US" dirty="0" smtClean="0"/>
+              <a:t>Find all recipients – (</a:t>
+            </a:r>
+            <a:r>
+              <a:rPr lang="en-US" dirty="0" err="1" smtClean="0"/>
               <a:t>findDest</a:t>
             </a:r>
             <a:r>
-              <a:rPr lang="fr-FR" dirty="0" smtClean="0"/>
-              <a:t>) : </a:t>
-            </a:r>
-            <a:r>
-              <a:rPr lang="fr-FR" dirty="0" err="1" smtClean="0"/>
-              <a:t>this</a:t>
-            </a:r>
-            <a:r>
-              <a:rPr lang="fr-FR" dirty="0" smtClean="0"/>
-              <a:t> </a:t>
-            </a:r>
-            <a:r>
-              <a:rPr lang="fr-FR" dirty="0" err="1" smtClean="0"/>
-              <a:t>method</a:t>
-            </a:r>
-            <a:r>
-              <a:rPr lang="fr-FR" dirty="0" smtClean="0"/>
-              <a:t> uses the </a:t>
-            </a:r>
-            <a:r>
-              <a:rPr lang="fr-FR" dirty="0" err="1" smtClean="0"/>
+              <a:rPr lang="en-US" dirty="0" smtClean="0"/>
+              <a:t>) : this method uses the </a:t>
+            </a:r>
+            <a:r>
+              <a:rPr lang="en-US" dirty="0" err="1" smtClean="0"/>
               <a:t>getBoundingClientRect</a:t>
             </a:r>
             <a:r>
-              <a:rPr lang="fr-FR" dirty="0" smtClean="0"/>
-              <a:t> </a:t>
-            </a:r>
-            <a:r>
-              <a:rPr lang="fr-FR" dirty="0" err="1" smtClean="0"/>
-              <a:t>function</a:t>
-            </a:r>
-            <a:r>
-              <a:rPr lang="fr-FR" dirty="0" smtClean="0"/>
-              <a:t> (native) to </a:t>
-            </a:r>
-            <a:r>
-              <a:rPr lang="fr-FR" dirty="0" err="1" smtClean="0"/>
-              <a:t>get</a:t>
-            </a:r>
-            <a:r>
-              <a:rPr lang="fr-FR" dirty="0" smtClean="0"/>
-              <a:t> the </a:t>
-            </a:r>
-            <a:r>
-              <a:rPr lang="fr-FR" dirty="0" err="1" smtClean="0"/>
-              <a:t>bounds</a:t>
-            </a:r>
-            <a:r>
-              <a:rPr lang="fr-FR" dirty="0" smtClean="0"/>
-              <a:t> of the </a:t>
-            </a:r>
-            <a:r>
-              <a:rPr lang="fr-FR" dirty="0" err="1" smtClean="0"/>
-              <a:t>shapes</a:t>
-            </a:r>
-            <a:r>
-              <a:rPr lang="fr-FR" dirty="0" smtClean="0"/>
-              <a:t>, </a:t>
-            </a:r>
-            <a:r>
-              <a:rPr lang="fr-FR" dirty="0" err="1" smtClean="0"/>
-              <a:t>then</a:t>
-            </a:r>
-            <a:r>
-              <a:rPr lang="fr-FR" dirty="0" smtClean="0"/>
-              <a:t> call the </a:t>
-            </a:r>
-            <a:r>
-              <a:rPr lang="fr-FR" dirty="0" err="1" smtClean="0"/>
-              <a:t>function</a:t>
-            </a:r>
-            <a:r>
-              <a:rPr lang="fr-FR" dirty="0" smtClean="0"/>
-              <a:t> </a:t>
-            </a:r>
-            <a:r>
-              <a:rPr lang="fr-FR" dirty="0" err="1" smtClean="0"/>
+              <a:rPr lang="en-US" dirty="0" smtClean="0"/>
+              <a:t> function (native) to get the bounds of the shapes, then call the function </a:t>
+            </a:r>
+            <a:r>
+              <a:rPr lang="en-US" dirty="0" err="1" smtClean="0"/>
               <a:t>findBrowserAt</a:t>
             </a:r>
             <a:r>
-              <a:rPr lang="fr-FR" dirty="0" smtClean="0"/>
-              <a:t> (dd3) to know </a:t>
-            </a:r>
-            <a:r>
-              <a:rPr lang="fr-FR" dirty="0" err="1" smtClean="0"/>
-              <a:t>which</a:t>
-            </a:r>
-            <a:r>
-              <a:rPr lang="fr-FR" dirty="0" smtClean="0"/>
-              <a:t> browser </a:t>
-            </a:r>
-            <a:r>
-              <a:rPr lang="fr-FR" dirty="0" err="1" smtClean="0"/>
-              <a:t>is</a:t>
-            </a:r>
-            <a:r>
-              <a:rPr lang="fr-FR" dirty="0" smtClean="0"/>
-              <a:t> at </a:t>
-            </a:r>
-            <a:r>
-              <a:rPr lang="fr-FR" dirty="0" err="1" smtClean="0"/>
-              <a:t>each</a:t>
-            </a:r>
-            <a:r>
-              <a:rPr lang="fr-FR" dirty="0" smtClean="0"/>
-              <a:t> </a:t>
-            </a:r>
-            <a:r>
-              <a:rPr lang="fr-FR" dirty="0" err="1" smtClean="0"/>
-              <a:t>summit</a:t>
-            </a:r>
-            <a:r>
-              <a:rPr lang="fr-FR" dirty="0" smtClean="0"/>
-              <a:t> of the </a:t>
-            </a:r>
-            <a:r>
-              <a:rPr lang="fr-FR" dirty="0" err="1" smtClean="0"/>
-              <a:t>bounding</a:t>
-            </a:r>
-            <a:r>
-              <a:rPr lang="fr-FR" dirty="0" smtClean="0"/>
-              <a:t> rectangle. All browsers </a:t>
-            </a:r>
-            <a:r>
-              <a:rPr lang="fr-FR" dirty="0" err="1" smtClean="0"/>
-              <a:t>contained</a:t>
-            </a:r>
-            <a:r>
-              <a:rPr lang="fr-FR" dirty="0" smtClean="0"/>
-              <a:t> </a:t>
-            </a:r>
-            <a:r>
-              <a:rPr lang="fr-FR" dirty="0" err="1" smtClean="0"/>
-              <a:t>within</a:t>
-            </a:r>
-            <a:r>
-              <a:rPr lang="fr-FR" dirty="0" smtClean="0"/>
-              <a:t> </a:t>
-            </a:r>
-            <a:r>
-              <a:rPr lang="fr-FR" dirty="0" err="1" smtClean="0"/>
-              <a:t>these</a:t>
-            </a:r>
-            <a:r>
-              <a:rPr lang="fr-FR" dirty="0" smtClean="0"/>
-              <a:t> </a:t>
-            </a:r>
-            <a:r>
-              <a:rPr lang="fr-FR" dirty="0" err="1" smtClean="0"/>
-              <a:t>summits</a:t>
-            </a:r>
-            <a:r>
-              <a:rPr lang="fr-FR" dirty="0" smtClean="0"/>
-              <a:t> </a:t>
-            </a:r>
-            <a:r>
-              <a:rPr lang="fr-FR" dirty="0" err="1" smtClean="0"/>
-              <a:t>will</a:t>
-            </a:r>
-            <a:r>
-              <a:rPr lang="fr-FR" dirty="0" smtClean="0"/>
-              <a:t> </a:t>
-            </a:r>
-            <a:r>
-              <a:rPr lang="fr-FR" dirty="0" err="1" smtClean="0"/>
-              <a:t>be</a:t>
-            </a:r>
-            <a:r>
-              <a:rPr lang="fr-FR" dirty="0" smtClean="0"/>
-              <a:t> </a:t>
-            </a:r>
-            <a:r>
-              <a:rPr lang="fr-FR" dirty="0" err="1" smtClean="0"/>
-              <a:t>added</a:t>
-            </a:r>
-            <a:r>
-              <a:rPr lang="fr-FR" dirty="0" smtClean="0"/>
-              <a:t> to the </a:t>
-            </a:r>
-            <a:r>
-              <a:rPr lang="fr-FR" dirty="0" err="1" smtClean="0"/>
-              <a:t>list</a:t>
-            </a:r>
-            <a:r>
-              <a:rPr lang="fr-FR" dirty="0" smtClean="0"/>
-              <a:t> of </a:t>
-            </a:r>
-            <a:r>
-              <a:rPr lang="fr-FR" dirty="0" err="1" smtClean="0"/>
-              <a:t>recipient</a:t>
-            </a:r>
-            <a:r>
-              <a:rPr lang="fr-FR" dirty="0" smtClean="0"/>
-              <a:t>.</a:t>
-            </a:r>
+              <a:rPr lang="en-US" dirty="0" smtClean="0"/>
+              <a:t> (dd3) to know which browser is at each summit of the bounding rectangle. All browsers contained within these summits will be added to the list of recipients.</a:t>
+            </a:r>
+            <a:endParaRPr lang="en-US" dirty="0" smtClean="0"/>
           </a:p>
         </p:txBody>
       </p:sp>
@@ -7779,7 +7582,6 @@
               <a:rPr lang="en-US" dirty="0" smtClean="0"/>
               <a:t> and append the shape to it.</a:t>
             </a:r>
-            <a:endParaRPr lang="en-US" dirty="0" smtClean="0"/>
           </a:p>
         </p:txBody>
       </p:sp>
